--- a/JS/001_lesson/Presentation/Object+Array.pptx
+++ b/JS/001_lesson/Presentation/Object+Array.pptx
@@ -13,10 +13,10 @@
   <p:sldIdLst>
     <p:sldId id="256" r:id="rId2"/>
     <p:sldId id="257" r:id="rId3"/>
-    <p:sldId id="260" r:id="rId4"/>
-    <p:sldId id="258" r:id="rId5"/>
-    <p:sldId id="261" r:id="rId6"/>
-    <p:sldId id="268" r:id="rId7"/>
+    <p:sldId id="261" r:id="rId4"/>
+    <p:sldId id="268" r:id="rId5"/>
+    <p:sldId id="260" r:id="rId6"/>
+    <p:sldId id="258" r:id="rId7"/>
   </p:sldIdLst>
   <p:sldSz cx="9144000" cy="5143500" type="screen16x9"/>
   <p:notesSz cx="6858000" cy="9144000"/>
@@ -241,7 +241,7 @@
             <a:fld id="{C1951A84-8083-4F68-A786-57C80B44AB3C}" type="datetimeFigureOut">
               <a:rPr lang="en-US" smtClean="0"/>
               <a:pPr/>
-              <a:t>6/18/2016</a:t>
+              <a:t>7/24/2016</a:t>
             </a:fld>
             <a:endParaRPr lang="en-US"/>
           </a:p>
@@ -408,7 +408,7 @@
             <a:fld id="{F938EB94-4B54-4539-BEE7-C3885B42E71C}" type="datetimeFigureOut">
               <a:rPr lang="en-US" smtClean="0"/>
               <a:pPr/>
-              <a:t>6/18/2016</a:t>
+              <a:t>7/24/2016</a:t>
             </a:fld>
             <a:endParaRPr lang="en-US"/>
           </a:p>
@@ -2467,7 +2467,7 @@
       </p:grpSpPr>
       <p:sp>
         <p:nvSpPr>
-          <p:cNvPr id="2" name="Title 1"/>
+          <p:cNvPr id="5" name="Title 4"/>
           <p:cNvSpPr>
             <a:spLocks noGrp="1"/>
           </p:cNvSpPr>
@@ -2475,14 +2475,21 @@
             <p:ph type="title"/>
           </p:nvPr>
         </p:nvSpPr>
-        <p:spPr/>
+        <p:spPr>
+          <a:xfrm>
+            <a:off x="457200" y="209550"/>
+            <a:ext cx="8229600" cy="491729"/>
+          </a:xfrm>
+        </p:spPr>
         <p:txBody>
-          <a:bodyPr/>
+          <a:bodyPr>
+            <a:noAutofit/>
+          </a:bodyPr>
           <a:lstStyle/>
           <a:p>
             <a:r>
               <a:rPr lang="ru-RU" dirty="0"/>
-              <a:t>Объекты в </a:t>
+              <a:t>Массивы в </a:t>
             </a:r>
             <a:r>
               <a:rPr lang="en-US" dirty="0"/>
@@ -2493,14 +2500,14 @@
       </p:sp>
       <p:sp>
         <p:nvSpPr>
-          <p:cNvPr id="11" name="TextBox 10"/>
+          <p:cNvPr id="7" name="TextBox 6"/>
           <p:cNvSpPr txBox="1"/>
           <p:nvPr/>
         </p:nvSpPr>
         <p:spPr>
           <a:xfrm>
-            <a:off x="457200" y="1108710"/>
-            <a:ext cx="8229600" cy="2308324"/>
+            <a:off x="457200" y="1291590"/>
+            <a:ext cx="2651760" cy="1815882"/>
           </a:xfrm>
           <a:prstGeom prst="rect">
             <a:avLst/>
@@ -2517,101 +2524,47 @@
               <a:rPr lang="ru-RU" sz="1400" b="1" dirty="0">
                 <a:latin typeface="Calibri" panose="020F0502020204030204" pitchFamily="34" charset="0"/>
               </a:rPr>
-              <a:t>Объекты </a:t>
+              <a:t>Массив</a:t>
             </a:r>
             <a:r>
               <a:rPr lang="ru-RU" sz="1400" dirty="0">
                 <a:latin typeface="Calibri" panose="020F0502020204030204" pitchFamily="34" charset="0"/>
               </a:rPr>
-              <a:t>– это составной тип данных, который объединяет множество значений в единый модуль и позволяет сохранять и извлекать значения по их именам.  </a:t>
-            </a:r>
-          </a:p>
-          <a:p>
-            <a:endParaRPr lang="ru-RU" sz="1400" b="1" dirty="0">
-              <a:latin typeface="Calibri" panose="020F0502020204030204" pitchFamily="34" charset="0"/>
-            </a:endParaRPr>
-          </a:p>
-          <a:p>
-            <a:r>
-              <a:rPr lang="ru-RU" sz="1400" dirty="0">
-                <a:latin typeface="Calibri" panose="020F0502020204030204" pitchFamily="34" charset="0"/>
-              </a:rPr>
-              <a:t>Объекты в </a:t>
-            </a:r>
-            <a:r>
-              <a:rPr lang="ru-RU" sz="1400" dirty="0" err="1">
-                <a:latin typeface="Calibri" panose="020F0502020204030204" pitchFamily="34" charset="0"/>
-              </a:rPr>
-              <a:t>JavaScript</a:t>
-            </a:r>
-            <a:r>
-              <a:rPr lang="ru-RU" sz="1400" dirty="0">
-                <a:latin typeface="Calibri" panose="020F0502020204030204" pitchFamily="34" charset="0"/>
-              </a:rPr>
-              <a:t> сочетают в себе два важных функционала. </a:t>
-            </a:r>
-          </a:p>
-          <a:p>
-            <a:endParaRPr lang="ru-RU" sz="1400" dirty="0">
-              <a:latin typeface="Calibri" panose="020F0502020204030204" pitchFamily="34" charset="0"/>
-            </a:endParaRPr>
-          </a:p>
-          <a:p>
-            <a:r>
-              <a:rPr lang="ru-RU" sz="1400" dirty="0">
-                <a:latin typeface="Calibri" panose="020F0502020204030204" pitchFamily="34" charset="0"/>
-              </a:rPr>
-              <a:t>Первый – это </a:t>
-            </a:r>
-            <a:r>
-              <a:rPr lang="ru-RU" sz="1400" b="1" dirty="0">
-                <a:latin typeface="Calibri" panose="020F0502020204030204" pitchFamily="34" charset="0"/>
-              </a:rPr>
-              <a:t>ассоциативный массив</a:t>
-            </a:r>
-            <a:r>
-              <a:rPr lang="ru-RU" sz="1400" dirty="0">
-                <a:latin typeface="Calibri" panose="020F0502020204030204" pitchFamily="34" charset="0"/>
-              </a:rPr>
-              <a:t>: структура, пригодная для хранения любых данных. В этой главе мы рассмотрим использование объектов именно как массивов.</a:t>
-            </a:r>
-          </a:p>
-          <a:p>
-            <a:endParaRPr lang="ru-RU" sz="1400" dirty="0">
-              <a:latin typeface="Calibri" panose="020F0502020204030204" pitchFamily="34" charset="0"/>
-            </a:endParaRPr>
-          </a:p>
-          <a:p>
-            <a:r>
-              <a:rPr lang="ru-RU" sz="1400" dirty="0">
-                <a:latin typeface="Calibri" panose="020F0502020204030204" pitchFamily="34" charset="0"/>
-              </a:rPr>
-              <a:t>Второй – </a:t>
-            </a:r>
-            <a:r>
-              <a:rPr lang="ru-RU" sz="1400" b="1" dirty="0">
-                <a:latin typeface="Calibri" panose="020F0502020204030204" pitchFamily="34" charset="0"/>
-              </a:rPr>
-              <a:t>языковые возможности для объектно-ориентированного программирования</a:t>
-            </a:r>
-            <a:r>
-              <a:rPr lang="ru-RU" sz="1400" dirty="0">
-                <a:latin typeface="Calibri" panose="020F0502020204030204" pitchFamily="34" charset="0"/>
-              </a:rPr>
-              <a:t>. </a:t>
-            </a:r>
-          </a:p>
-          <a:p>
-            <a:endParaRPr lang="uk-UA" b="1" dirty="0">
-              <a:latin typeface="Calibri" panose="020F0502020204030204" pitchFamily="34" charset="0"/>
-            </a:endParaRPr>
+              <a:t> – разновидность объекта, которая предназначена для хранения пронумерованных значений и предлагает дополнительные методы для удобного манипулирования такой коллекцией.</a:t>
+            </a:r>
           </a:p>
         </p:txBody>
       </p:sp>
+      <p:pic>
+        <p:nvPicPr>
+          <p:cNvPr id="4098" name="Picture 2" descr="http://2.bp.blogspot.com/-Ek2hzh7Uef8/VcseOEkfxaI/AAAAAAAAAIo/wkiGtnpZcGo/s1600/ArrayJS.JPG"/>
+          <p:cNvPicPr>
+            <a:picLocks noChangeAspect="1" noChangeArrowheads="1"/>
+          </p:cNvPicPr>
+          <p:nvPr/>
+        </p:nvPicPr>
+        <p:blipFill>
+          <a:blip r:embed="rId2" cstate="print"/>
+          <a:srcRect/>
+          <a:stretch>
+            <a:fillRect/>
+          </a:stretch>
+        </p:blipFill>
+        <p:spPr bwMode="auto">
+          <a:xfrm>
+            <a:off x="3246960" y="1474470"/>
+            <a:ext cx="5439840" cy="2441180"/>
+          </a:xfrm>
+          <a:prstGeom prst="rect">
+            <a:avLst/>
+          </a:prstGeom>
+          <a:noFill/>
+        </p:spPr>
+      </p:pic>
     </p:spTree>
     <p:extLst>
       <p:ext uri="{BB962C8B-B14F-4D97-AF65-F5344CB8AC3E}">
-        <p14:creationId xmlns:p14="http://schemas.microsoft.com/office/powerpoint/2010/main" val="2972715479"/>
+        <p14:creationId xmlns:p14="http://schemas.microsoft.com/office/powerpoint/2010/main" val="2408212743"/>
       </p:ext>
     </p:extLst>
   </p:cSld>
@@ -2640,13 +2593,97 @@
       </p:grpSpPr>
       <p:sp>
         <p:nvSpPr>
-          <p:cNvPr id="19" name="Стрелка вниз 18"/>
+          <p:cNvPr id="5" name="Title 4"/>
+          <p:cNvSpPr>
+            <a:spLocks noGrp="1"/>
+          </p:cNvSpPr>
+          <p:nvPr>
+            <p:ph type="title"/>
+          </p:nvPr>
+        </p:nvSpPr>
+        <p:spPr>
+          <a:xfrm>
+            <a:off x="457200" y="209550"/>
+            <a:ext cx="8229600" cy="491729"/>
+          </a:xfrm>
+        </p:spPr>
+        <p:txBody>
+          <a:bodyPr>
+            <a:noAutofit/>
+          </a:bodyPr>
+          <a:lstStyle/>
+          <a:p>
+            <a:r>
+              <a:rPr lang="ru-RU" dirty="0"/>
+              <a:t>Виды массивов </a:t>
+            </a:r>
+            <a:r>
+              <a:rPr lang="en-US" dirty="0"/>
+              <a:t>JavaScript</a:t>
+            </a:r>
+          </a:p>
+        </p:txBody>
+      </p:sp>
+      <p:sp>
+        <p:nvSpPr>
+          <p:cNvPr id="6" name="Title 4"/>
+          <p:cNvSpPr txBox="1">
+            <a:spLocks/>
+          </p:cNvSpPr>
+          <p:nvPr/>
+        </p:nvSpPr>
+        <p:spPr>
+          <a:xfrm>
+            <a:off x="0" y="819150"/>
+            <a:ext cx="9144000" cy="491729"/>
+          </a:xfrm>
+          <a:prstGeom prst="rect">
+            <a:avLst/>
+          </a:prstGeom>
+        </p:spPr>
+        <p:txBody>
+          <a:bodyPr vert="horz" lIns="91440" tIns="45720" rIns="91440" bIns="45720" rtlCol="0" anchor="ctr">
+            <a:noAutofit/>
+          </a:bodyPr>
+          <a:lstStyle>
+            <a:lvl1pPr algn="ctr" defTabSz="914400" rtl="0" eaLnBrk="1" latinLnBrk="0" hangingPunct="1">
+              <a:spcBef>
+                <a:spcPct val="0"/>
+              </a:spcBef>
+              <a:buNone/>
+              <a:defRPr sz="2800" kern="1200">
+                <a:solidFill>
+                  <a:schemeClr val="bg1"/>
+                </a:solidFill>
+                <a:latin typeface="+mj-lt"/>
+                <a:ea typeface="+mj-ea"/>
+                <a:cs typeface="+mj-cs"/>
+              </a:defRPr>
+            </a:lvl1pPr>
+          </a:lstStyle>
+          <a:p>
+            <a:endParaRPr lang="en-US" sz="2400" dirty="0">
+              <a:solidFill>
+                <a:schemeClr val="bg1">
+                  <a:lumMod val="50000"/>
+                </a:schemeClr>
+              </a:solidFill>
+              <a:latin typeface="Roboto Thin" panose="02000000000000000000" pitchFamily="2" charset="0"/>
+              <a:ea typeface="Roboto Thin" panose="02000000000000000000" pitchFamily="2" charset="0"/>
+              <a:cs typeface="Roboto Thin" panose="02000000000000000000" pitchFamily="2" charset="0"/>
+            </a:endParaRPr>
+          </a:p>
+        </p:txBody>
+      </p:sp>
+      <p:sp>
+        <p:nvSpPr>
+          <p:cNvPr id="8" name="Стрелка вниз 7"/>
           <p:cNvSpPr/>
           <p:nvPr/>
         </p:nvSpPr>
         <p:spPr>
           <a:xfrm>
-            <a:off x="1463040" y="701279"/>
+            <a:off x="1280160" y="701279"/>
             <a:ext cx="1280160" cy="590311"/>
           </a:xfrm>
           <a:prstGeom prst="downArrow">
@@ -2686,81 +2723,21 @@
       </p:sp>
       <p:sp>
         <p:nvSpPr>
-          <p:cNvPr id="8" name="Заголовок 7"/>
-          <p:cNvSpPr>
-            <a:spLocks noGrp="1"/>
-          </p:cNvSpPr>
-          <p:nvPr>
-            <p:ph type="title"/>
-          </p:nvPr>
-        </p:nvSpPr>
-        <p:spPr>
-          <a:xfrm>
-            <a:off x="365760" y="209550"/>
-            <a:ext cx="8229600" cy="491729"/>
-          </a:xfrm>
-        </p:spPr>
-        <p:txBody>
-          <a:bodyPr/>
-          <a:lstStyle/>
-          <a:p>
-            <a:r>
-              <a:rPr lang="ru-RU" dirty="0"/>
-              <a:t>Способы создания объектов в </a:t>
-            </a:r>
-            <a:r>
-              <a:rPr lang="en-US" dirty="0"/>
-              <a:t>JavaScript</a:t>
-            </a:r>
-            <a:endParaRPr lang="uk-UA" dirty="0"/>
-          </a:p>
-        </p:txBody>
-      </p:sp>
-      <p:sp>
-        <p:nvSpPr>
-          <p:cNvPr id="15" name="TextBox 14"/>
-          <p:cNvSpPr txBox="1"/>
-          <p:nvPr/>
-        </p:nvSpPr>
-        <p:spPr>
-          <a:xfrm>
-            <a:off x="548640" y="1291590"/>
-            <a:ext cx="3291840" cy="307777"/>
-          </a:xfrm>
-          <a:prstGeom prst="rect">
-            <a:avLst/>
-          </a:prstGeom>
-          <a:noFill/>
-        </p:spPr>
-        <p:txBody>
-          <a:bodyPr wrap="square" rtlCol="0">
-            <a:spAutoFit/>
-          </a:bodyPr>
-          <a:lstStyle/>
-          <a:p>
-            <a:pPr algn="ctr"/>
-            <a:r>
-              <a:rPr lang="ru-RU" sz="1400" b="1" dirty="0"/>
-              <a:t>Через блок инициализации </a:t>
-            </a:r>
-            <a:endParaRPr lang="uk-UA" sz="1400" b="1" dirty="0"/>
-          </a:p>
-        </p:txBody>
-      </p:sp>
-      <p:sp>
-        <p:nvSpPr>
-          <p:cNvPr id="20" name="Стрелка вниз 19"/>
+          <p:cNvPr id="9" name="Стрелка вниз 8"/>
           <p:cNvSpPr/>
           <p:nvPr/>
         </p:nvSpPr>
         <p:spPr>
           <a:xfrm>
-            <a:off x="6126480" y="701279"/>
+            <a:off x="6492240" y="720568"/>
             <a:ext cx="1280160" cy="590311"/>
           </a:xfrm>
           <a:prstGeom prst="downArrow">
             <a:avLst/>
           </a:prstGeom>
+          <a:solidFill>
+            <a:schemeClr val="accent1"/>
+          </a:solidFill>
           <a:ln w="0">
             <a:noFill/>
           </a:ln>
@@ -2792,14 +2769,14 @@
       </p:sp>
       <p:sp>
         <p:nvSpPr>
-          <p:cNvPr id="21" name="TextBox 20"/>
+          <p:cNvPr id="10" name="TextBox 9"/>
           <p:cNvSpPr txBox="1"/>
           <p:nvPr/>
         </p:nvSpPr>
         <p:spPr>
           <a:xfrm>
-            <a:off x="5669280" y="1291590"/>
-            <a:ext cx="2377440" cy="307777"/>
+            <a:off x="731520" y="1657350"/>
+            <a:ext cx="3657600" cy="2246769"/>
           </a:xfrm>
           <a:prstGeom prst="rect">
             <a:avLst/>
@@ -2812,25 +2789,178 @@
           </a:bodyPr>
           <a:lstStyle/>
           <a:p>
-            <a:pPr algn="ctr"/>
-            <a:r>
-              <a:rPr lang="ru-RU" sz="1400" b="1" dirty="0"/>
-              <a:t>Через конструктор </a:t>
-            </a:r>
-            <a:endParaRPr lang="uk-UA" sz="1400" b="1" dirty="0"/>
+            <a:r>
+              <a:rPr lang="en-US" sz="1400" dirty="0">
+                <a:latin typeface="Calibri" panose="020F0502020204030204" pitchFamily="34" charset="0"/>
+              </a:rPr>
+              <a:t>      </a:t>
+            </a:r>
+            <a:r>
+              <a:rPr lang="ru-RU" sz="1400" dirty="0">
+                <a:latin typeface="Calibri" panose="020F0502020204030204" pitchFamily="34" charset="0"/>
+              </a:rPr>
+              <a:t>Одномерные</a:t>
+            </a:r>
+            <a:r>
+              <a:rPr lang="en-US" sz="1400" dirty="0">
+                <a:latin typeface="Calibri" panose="020F0502020204030204" pitchFamily="34" charset="0"/>
+              </a:rPr>
+              <a:t>:  </a:t>
+            </a:r>
+          </a:p>
+          <a:p>
+            <a:endParaRPr lang="en-US" sz="1400" dirty="0">
+              <a:latin typeface="Calibri" panose="020F0502020204030204" pitchFamily="34" charset="0"/>
+            </a:endParaRPr>
+          </a:p>
+          <a:p>
+            <a:r>
+              <a:rPr lang="en-US" sz="1400" dirty="0" err="1">
+                <a:solidFill>
+                  <a:srgbClr val="0000FF"/>
+                </a:solidFill>
+                <a:latin typeface="Calibri" panose="020F0502020204030204" pitchFamily="34" charset="0"/>
+              </a:rPr>
+              <a:t>var</a:t>
+            </a:r>
+            <a:r>
+              <a:rPr lang="en-US" sz="1400" dirty="0">
+                <a:solidFill>
+                  <a:srgbClr val="0000FF"/>
+                </a:solidFill>
+                <a:latin typeface="Calibri" panose="020F0502020204030204" pitchFamily="34" charset="0"/>
+              </a:rPr>
+              <a:t> </a:t>
+            </a:r>
+            <a:r>
+              <a:rPr lang="en-US" sz="1400" dirty="0">
+                <a:latin typeface="Calibri" panose="020F0502020204030204" pitchFamily="34" charset="0"/>
+              </a:rPr>
+              <a:t>array = </a:t>
+            </a:r>
+            <a:r>
+              <a:rPr lang="en-US" sz="1400" dirty="0">
+                <a:solidFill>
+                  <a:srgbClr val="0000FF"/>
+                </a:solidFill>
+                <a:latin typeface="Calibri" panose="020F0502020204030204" pitchFamily="34" charset="0"/>
+              </a:rPr>
+              <a:t>new</a:t>
+            </a:r>
+            <a:r>
+              <a:rPr lang="en-US" sz="1400" dirty="0">
+                <a:latin typeface="Calibri" panose="020F0502020204030204" pitchFamily="34" charset="0"/>
+              </a:rPr>
+              <a:t> Array(5); </a:t>
+            </a:r>
+          </a:p>
+          <a:p>
+            <a:endParaRPr lang="en-US" sz="1400" dirty="0">
+              <a:latin typeface="Calibri" panose="020F0502020204030204" pitchFamily="34" charset="0"/>
+            </a:endParaRPr>
+          </a:p>
+          <a:p>
+            <a:r>
+              <a:rPr lang="en-US" sz="1400" dirty="0" err="1">
+                <a:solidFill>
+                  <a:srgbClr val="0000FF"/>
+                </a:solidFill>
+                <a:latin typeface="Calibri" panose="020F0502020204030204" pitchFamily="34" charset="0"/>
+              </a:rPr>
+              <a:t>var</a:t>
+            </a:r>
+            <a:r>
+              <a:rPr lang="en-US" sz="1400" dirty="0">
+                <a:solidFill>
+                  <a:srgbClr val="0000FF"/>
+                </a:solidFill>
+                <a:latin typeface="Calibri" panose="020F0502020204030204" pitchFamily="34" charset="0"/>
+              </a:rPr>
+              <a:t> </a:t>
+            </a:r>
+            <a:r>
+              <a:rPr lang="en-US" sz="1400" dirty="0">
+                <a:latin typeface="Calibri" panose="020F0502020204030204" pitchFamily="34" charset="0"/>
+              </a:rPr>
+              <a:t>array = </a:t>
+            </a:r>
+            <a:r>
+              <a:rPr lang="en-US" sz="1400" dirty="0">
+                <a:solidFill>
+                  <a:srgbClr val="0000FF"/>
+                </a:solidFill>
+                <a:latin typeface="Calibri" panose="020F0502020204030204" pitchFamily="34" charset="0"/>
+              </a:rPr>
+              <a:t>new</a:t>
+            </a:r>
+            <a:r>
+              <a:rPr lang="en-US" sz="1400" dirty="0">
+                <a:latin typeface="Calibri" panose="020F0502020204030204" pitchFamily="34" charset="0"/>
+              </a:rPr>
+              <a:t> Array(1, 2, 3, 4, 5);  </a:t>
+            </a:r>
+          </a:p>
+          <a:p>
+            <a:r>
+              <a:rPr lang="en-US" sz="1400" dirty="0">
+                <a:latin typeface="Calibri" panose="020F0502020204030204" pitchFamily="34" charset="0"/>
+              </a:rPr>
+              <a:t> </a:t>
+            </a:r>
+          </a:p>
+          <a:p>
+            <a:r>
+              <a:rPr lang="en-US" sz="1400" dirty="0" err="1">
+                <a:solidFill>
+                  <a:srgbClr val="0000FF"/>
+                </a:solidFill>
+                <a:latin typeface="Calibri" panose="020F0502020204030204" pitchFamily="34" charset="0"/>
+              </a:rPr>
+              <a:t>var</a:t>
+            </a:r>
+            <a:r>
+              <a:rPr lang="en-US" sz="1400" dirty="0">
+                <a:solidFill>
+                  <a:srgbClr val="0000FF"/>
+                </a:solidFill>
+                <a:latin typeface="Calibri" panose="020F0502020204030204" pitchFamily="34" charset="0"/>
+              </a:rPr>
+              <a:t> </a:t>
+            </a:r>
+            <a:r>
+              <a:rPr lang="en-US" sz="1400" dirty="0">
+                <a:latin typeface="Calibri" panose="020F0502020204030204" pitchFamily="34" charset="0"/>
+              </a:rPr>
+              <a:t>array = [1, 2, 3, 4, 5]</a:t>
+            </a:r>
+          </a:p>
+          <a:p>
+            <a:endParaRPr lang="en-US" sz="1400" dirty="0">
+              <a:latin typeface="Calibri" panose="020F0502020204030204" pitchFamily="34" charset="0"/>
+            </a:endParaRPr>
+          </a:p>
+          <a:p>
+            <a:endParaRPr lang="en-US" sz="1400" dirty="0">
+              <a:latin typeface="Calibri" panose="020F0502020204030204" pitchFamily="34" charset="0"/>
+            </a:endParaRPr>
+          </a:p>
+          <a:p>
+            <a:endParaRPr lang="uk-UA" sz="1400" dirty="0">
+              <a:latin typeface="Calibri" panose="020F0502020204030204" pitchFamily="34" charset="0"/>
+            </a:endParaRPr>
           </a:p>
         </p:txBody>
       </p:sp>
       <p:sp>
         <p:nvSpPr>
-          <p:cNvPr id="22" name="TextBox 21"/>
+          <p:cNvPr id="11" name="TextBox 10"/>
           <p:cNvSpPr txBox="1"/>
           <p:nvPr/>
         </p:nvSpPr>
         <p:spPr>
           <a:xfrm>
-            <a:off x="1097280" y="1992630"/>
-            <a:ext cx="2926080" cy="1169551"/>
+            <a:off x="5486400" y="1657350"/>
+            <a:ext cx="3200400" cy="2462213"/>
           </a:xfrm>
           <a:prstGeom prst="rect">
             <a:avLst/>
@@ -2844,6 +2974,34 @@
           <a:lstStyle/>
           <a:p>
             <a:r>
+              <a:rPr lang="en-US" sz="1400" dirty="0">
+                <a:latin typeface="Calibri" panose="020F0502020204030204" pitchFamily="34" charset="0"/>
+              </a:rPr>
+              <a:t>           </a:t>
+            </a:r>
+            <a:r>
+              <a:rPr lang="ru-RU" sz="1400" dirty="0">
+                <a:latin typeface="Calibri" panose="020F0502020204030204" pitchFamily="34" charset="0"/>
+              </a:rPr>
+              <a:t>Многомерные</a:t>
+            </a:r>
+            <a:r>
+              <a:rPr lang="en-US" sz="1400" dirty="0">
+                <a:latin typeface="Calibri" panose="020F0502020204030204" pitchFamily="34" charset="0"/>
+              </a:rPr>
+              <a:t>: </a:t>
+            </a:r>
+          </a:p>
+          <a:p>
+            <a:r>
+              <a:rPr lang="en-US" sz="1400" dirty="0">
+                <a:latin typeface="Calibri" panose="020F0502020204030204" pitchFamily="34" charset="0"/>
+              </a:rPr>
+              <a:t> </a:t>
+            </a:r>
+          </a:p>
+          <a:p>
+            <a:r>
               <a:rPr lang="en-US" sz="1400" dirty="0" err="1">
                 <a:solidFill>
                   <a:srgbClr val="0000FF"/>
@@ -2854,213 +3012,154 @@
             </a:r>
             <a:r>
               <a:rPr lang="en-US" sz="1400" dirty="0">
-                <a:latin typeface="Calibri" panose="020F0502020204030204" pitchFamily="34" charset="0"/>
-              </a:rPr>
-              <a:t> cat = { </a:t>
-            </a:r>
-          </a:p>
-          <a:p>
-            <a:r>
-              <a:rPr lang="ru-RU" sz="1400" dirty="0">
-                <a:latin typeface="Calibri" panose="020F0502020204030204" pitchFamily="34" charset="0"/>
-              </a:rPr>
-              <a:t>     </a:t>
-            </a:r>
-            <a:r>
-              <a:rPr lang="en-US" sz="1400" dirty="0">
-                <a:latin typeface="Calibri" panose="020F0502020204030204" pitchFamily="34" charset="0"/>
-              </a:rPr>
-              <a:t>breed: ‘</a:t>
-            </a:r>
-            <a:r>
-              <a:rPr lang="en-US" sz="1400" dirty="0" err="1">
-                <a:latin typeface="Calibri" panose="020F0502020204030204" pitchFamily="34" charset="0"/>
-              </a:rPr>
-              <a:t>burmese</a:t>
-            </a:r>
-            <a:r>
-              <a:rPr lang="en-US" sz="1400" dirty="0">
-                <a:latin typeface="Calibri" panose="020F0502020204030204" pitchFamily="34" charset="0"/>
-              </a:rPr>
-              <a:t>’, </a:t>
-            </a:r>
-            <a:r>
-              <a:rPr lang="ru-RU" sz="1400" dirty="0">
+                <a:solidFill>
+                  <a:srgbClr val="0000FF"/>
+                </a:solidFill>
                 <a:latin typeface="Calibri" panose="020F0502020204030204" pitchFamily="34" charset="0"/>
               </a:rPr>
               <a:t> </a:t>
             </a:r>
+            <a:r>
+              <a:rPr lang="en-US" sz="1400" dirty="0">
+                <a:latin typeface="Calibri" panose="020F0502020204030204" pitchFamily="34" charset="0"/>
+              </a:rPr>
+              <a:t>array = Array(5); </a:t>
+            </a:r>
+          </a:p>
+          <a:p>
             <a:endParaRPr lang="en-US" sz="1400" dirty="0">
               <a:latin typeface="Calibri" panose="020F0502020204030204" pitchFamily="34" charset="0"/>
             </a:endParaRPr>
           </a:p>
           <a:p>
             <a:r>
-              <a:rPr lang="ru-RU" sz="1400" dirty="0">
-                <a:latin typeface="Calibri" panose="020F0502020204030204" pitchFamily="34" charset="0"/>
-              </a:rPr>
-              <a:t>     </a:t>
-            </a:r>
-            <a:r>
-              <a:rPr lang="en-US" sz="1400" dirty="0">
-                <a:latin typeface="Calibri" panose="020F0502020204030204" pitchFamily="34" charset="0"/>
-              </a:rPr>
-              <a:t>weight: ‘5 kg’</a:t>
-            </a:r>
-          </a:p>
-          <a:p>
-            <a:r>
-              <a:rPr lang="ru-RU" sz="1400" dirty="0">
-                <a:latin typeface="Calibri" panose="020F0502020204030204" pitchFamily="34" charset="0"/>
-              </a:rPr>
-              <a:t>    </a:t>
-            </a:r>
-            <a:r>
-              <a:rPr lang="en-US" sz="1400" dirty="0">
-                <a:latin typeface="Calibri" panose="020F0502020204030204" pitchFamily="34" charset="0"/>
-              </a:rPr>
-              <a:t>eat: function() {   …   }</a:t>
-            </a:r>
-          </a:p>
-          <a:p>
-            <a:r>
-              <a:rPr lang="en-US" sz="1400" dirty="0">
-                <a:latin typeface="Calibri" panose="020F0502020204030204" pitchFamily="34" charset="0"/>
-              </a:rPr>
-              <a:t> }  </a:t>
-            </a:r>
-            <a:r>
-              <a:rPr lang="ru-RU" sz="1400" dirty="0">
+              <a:rPr lang="en-US" sz="1400" dirty="0">
+                <a:latin typeface="Calibri" panose="020F0502020204030204" pitchFamily="34" charset="0"/>
+              </a:rPr>
+              <a:t>array[0] = </a:t>
+            </a:r>
+            <a:r>
+              <a:rPr lang="en-US" sz="1400" dirty="0">
+                <a:solidFill>
+                  <a:srgbClr val="0000FF"/>
+                </a:solidFill>
+                <a:latin typeface="Calibri" panose="020F0502020204030204" pitchFamily="34" charset="0"/>
+              </a:rPr>
+              <a:t>new</a:t>
+            </a:r>
+            <a:r>
+              <a:rPr lang="en-US" sz="1400" dirty="0">
+                <a:latin typeface="Calibri" panose="020F0502020204030204" pitchFamily="34" charset="0"/>
+              </a:rPr>
+              <a:t> Array(5); </a:t>
+            </a:r>
+          </a:p>
+          <a:p>
+            <a:r>
+              <a:rPr lang="en-US" sz="1400" dirty="0">
+                <a:latin typeface="Calibri" panose="020F0502020204030204" pitchFamily="34" charset="0"/>
+              </a:rPr>
+              <a:t>array[1] = </a:t>
+            </a:r>
+            <a:r>
+              <a:rPr lang="en-US" sz="1400" dirty="0">
+                <a:solidFill>
+                  <a:srgbClr val="0000FF"/>
+                </a:solidFill>
+                <a:latin typeface="Calibri" panose="020F0502020204030204" pitchFamily="34" charset="0"/>
+              </a:rPr>
+              <a:t>new</a:t>
+            </a:r>
+            <a:r>
+              <a:rPr lang="en-US" sz="1400" dirty="0">
+                <a:latin typeface="Calibri" panose="020F0502020204030204" pitchFamily="34" charset="0"/>
+              </a:rPr>
+              <a:t> Array(5); </a:t>
+            </a:r>
+          </a:p>
+          <a:p>
+            <a:r>
+              <a:rPr lang="en-US" sz="1400" dirty="0">
+                <a:latin typeface="Calibri" panose="020F0502020204030204" pitchFamily="34" charset="0"/>
+              </a:rPr>
+              <a:t>array[2] = </a:t>
+            </a:r>
+            <a:r>
+              <a:rPr lang="en-US" sz="1400" dirty="0">
+                <a:solidFill>
+                  <a:srgbClr val="0000FF"/>
+                </a:solidFill>
+                <a:latin typeface="Calibri" panose="020F0502020204030204" pitchFamily="34" charset="0"/>
+              </a:rPr>
+              <a:t>new</a:t>
+            </a:r>
+            <a:r>
+              <a:rPr lang="en-US" sz="1400" dirty="0">
+                <a:latin typeface="Calibri" panose="020F0502020204030204" pitchFamily="34" charset="0"/>
+              </a:rPr>
+              <a:t> Array(5); </a:t>
+            </a:r>
+          </a:p>
+          <a:p>
+            <a:r>
+              <a:rPr lang="en-US" sz="1400" dirty="0">
+                <a:latin typeface="Calibri" panose="020F0502020204030204" pitchFamily="34" charset="0"/>
+              </a:rPr>
+              <a:t>array[3] = </a:t>
+            </a:r>
+            <a:r>
+              <a:rPr lang="en-US" sz="1400" dirty="0">
+                <a:solidFill>
+                  <a:srgbClr val="0000FF"/>
+                </a:solidFill>
+                <a:latin typeface="Calibri" panose="020F0502020204030204" pitchFamily="34" charset="0"/>
+              </a:rPr>
+              <a:t>new</a:t>
+            </a:r>
+            <a:r>
+              <a:rPr lang="en-US" sz="1400" dirty="0">
+                <a:latin typeface="Calibri" panose="020F0502020204030204" pitchFamily="34" charset="0"/>
+              </a:rPr>
+              <a:t> Array(5); </a:t>
+            </a:r>
+          </a:p>
+          <a:p>
+            <a:r>
+              <a:rPr lang="en-US" sz="1400" dirty="0">
+                <a:latin typeface="Calibri" panose="020F0502020204030204" pitchFamily="34" charset="0"/>
+              </a:rPr>
+              <a:t>array[4] = </a:t>
+            </a:r>
+            <a:r>
+              <a:rPr lang="en-US" sz="1400" dirty="0">
+                <a:solidFill>
+                  <a:srgbClr val="0000FF"/>
+                </a:solidFill>
+                <a:latin typeface="Calibri" panose="020F0502020204030204" pitchFamily="34" charset="0"/>
+              </a:rPr>
+              <a:t>new</a:t>
+            </a:r>
+            <a:r>
+              <a:rPr lang="en-US" sz="1400" dirty="0">
+                <a:latin typeface="Calibri" panose="020F0502020204030204" pitchFamily="34" charset="0"/>
+              </a:rPr>
+              <a:t> Array(5); </a:t>
+            </a:r>
+          </a:p>
+          <a:p>
+            <a:r>
+              <a:rPr lang="en-US" sz="1400" dirty="0">
                 <a:latin typeface="Calibri" panose="020F0502020204030204" pitchFamily="34" charset="0"/>
               </a:rPr>
               <a:t> </a:t>
             </a:r>
-            <a:endParaRPr lang="uk-UA" sz="1400" dirty="0">
-              <a:latin typeface="Calibri" panose="020F0502020204030204" pitchFamily="34" charset="0"/>
-            </a:endParaRPr>
-          </a:p>
-        </p:txBody>
-      </p:sp>
-      <p:sp>
-        <p:nvSpPr>
-          <p:cNvPr id="23" name="TextBox 22"/>
-          <p:cNvSpPr txBox="1"/>
-          <p:nvPr/>
-        </p:nvSpPr>
-        <p:spPr>
-          <a:xfrm>
-            <a:off x="6035040" y="2016859"/>
-            <a:ext cx="2377440" cy="1169551"/>
-          </a:xfrm>
-          <a:prstGeom prst="rect">
-            <a:avLst/>
-          </a:prstGeom>
-          <a:noFill/>
-        </p:spPr>
-        <p:txBody>
-          <a:bodyPr wrap="square" rtlCol="0">
-            <a:spAutoFit/>
-          </a:bodyPr>
-          <a:lstStyle/>
-          <a:p>
-            <a:r>
-              <a:rPr lang="en-US" sz="1400" dirty="0" err="1">
-                <a:solidFill>
-                  <a:srgbClr val="0000FF"/>
-                </a:solidFill>
-                <a:latin typeface="Calibri" panose="020F0502020204030204" pitchFamily="34" charset="0"/>
-              </a:rPr>
-              <a:t>var</a:t>
-            </a:r>
-            <a:r>
-              <a:rPr lang="en-US" sz="1400" dirty="0">
-                <a:latin typeface="Calibri" panose="020F0502020204030204" pitchFamily="34" charset="0"/>
-              </a:rPr>
-              <a:t> cat = new Object(); </a:t>
-            </a:r>
-          </a:p>
-          <a:p>
-            <a:endParaRPr lang="en-US" sz="1400" dirty="0">
-              <a:latin typeface="Calibri" panose="020F0502020204030204" pitchFamily="34" charset="0"/>
-            </a:endParaRPr>
-          </a:p>
-          <a:p>
-            <a:r>
-              <a:rPr lang="en-US" sz="1400" dirty="0" err="1">
-                <a:latin typeface="Calibri" panose="020F0502020204030204" pitchFamily="34" charset="0"/>
-              </a:rPr>
-              <a:t>cat.breed</a:t>
-            </a:r>
-            <a:r>
-              <a:rPr lang="en-US" sz="1400" dirty="0">
-                <a:latin typeface="Calibri" panose="020F0502020204030204" pitchFamily="34" charset="0"/>
-              </a:rPr>
-              <a:t> = ‘</a:t>
-            </a:r>
-            <a:r>
-              <a:rPr lang="en-US" sz="1400" dirty="0" err="1">
-                <a:latin typeface="Calibri" panose="020F0502020204030204" pitchFamily="34" charset="0"/>
-              </a:rPr>
-              <a:t>burmese</a:t>
-            </a:r>
-            <a:r>
-              <a:rPr lang="en-US" sz="1400" dirty="0">
-                <a:latin typeface="Calibri" panose="020F0502020204030204" pitchFamily="34" charset="0"/>
-              </a:rPr>
-              <a:t>’; </a:t>
-            </a:r>
-          </a:p>
-          <a:p>
-            <a:r>
-              <a:rPr lang="en-US" sz="1400" dirty="0" err="1">
-                <a:latin typeface="Calibri" panose="020F0502020204030204" pitchFamily="34" charset="0"/>
-              </a:rPr>
-              <a:t>cat.weight</a:t>
-            </a:r>
-            <a:r>
-              <a:rPr lang="en-US" sz="1400" dirty="0">
-                <a:latin typeface="Calibri" panose="020F0502020204030204" pitchFamily="34" charset="0"/>
-              </a:rPr>
-              <a:t> = ‘5 kg’; </a:t>
-            </a:r>
-          </a:p>
-          <a:p>
-            <a:r>
-              <a:rPr lang="en-US" sz="1400" dirty="0">
-                <a:latin typeface="Calibri" panose="020F0502020204030204" pitchFamily="34" charset="0"/>
-              </a:rPr>
-              <a:t>cat.eat = function() {   …   }</a:t>
-            </a:r>
-          </a:p>
-        </p:txBody>
-      </p:sp>
-      <p:sp>
-        <p:nvSpPr>
-          <p:cNvPr id="24" name="TextBox 23"/>
-          <p:cNvSpPr txBox="1"/>
-          <p:nvPr/>
-        </p:nvSpPr>
-        <p:spPr>
-          <a:xfrm>
-            <a:off x="1097280" y="4219456"/>
-            <a:ext cx="7498080" cy="307777"/>
-          </a:xfrm>
-          <a:prstGeom prst="rect">
-            <a:avLst/>
-          </a:prstGeom>
-          <a:noFill/>
-        </p:spPr>
-        <p:txBody>
-          <a:bodyPr wrap="square" rtlCol="0">
-            <a:spAutoFit/>
-          </a:bodyPr>
-          <a:lstStyle/>
-          <a:p>
-            <a:r>
-              <a:rPr lang="ru-RU" sz="1400" dirty="0">
-                <a:latin typeface="Calibri" panose="020F0502020204030204" pitchFamily="34" charset="0"/>
-              </a:rPr>
-              <a:t>Функции, которые находятся в объекте, называются методами</a:t>
+          </a:p>
+          <a:p>
+            <a:r>
+              <a:rPr lang="en-US" sz="1400" dirty="0">
+                <a:latin typeface="Calibri" panose="020F0502020204030204" pitchFamily="34" charset="0"/>
+              </a:rPr>
+              <a:t> </a:t>
             </a:r>
             <a:endParaRPr lang="uk-UA" sz="1400" dirty="0">
               <a:latin typeface="Calibri" panose="020F0502020204030204" pitchFamily="34" charset="0"/>
@@ -3071,7 +3170,7 @@
     </p:spTree>
     <p:extLst>
       <p:ext uri="{BB962C8B-B14F-4D97-AF65-F5344CB8AC3E}">
-        <p14:creationId xmlns:p14="http://schemas.microsoft.com/office/powerpoint/2010/main" val="1440386950"/>
+        <p14:creationId xmlns:p14="http://schemas.microsoft.com/office/powerpoint/2010/main" val="9290874"/>
       </p:ext>
     </p:extLst>
   </p:cSld>
@@ -3100,7 +3199,7 @@
       </p:grpSpPr>
       <p:sp>
         <p:nvSpPr>
-          <p:cNvPr id="5" name="Title 4"/>
+          <p:cNvPr id="2" name="Title 1"/>
           <p:cNvSpPr>
             <a:spLocks noGrp="1"/>
           </p:cNvSpPr>
@@ -3108,21 +3207,14 @@
             <p:ph type="title"/>
           </p:nvPr>
         </p:nvSpPr>
-        <p:spPr>
-          <a:xfrm>
-            <a:off x="457200" y="209550"/>
-            <a:ext cx="8229600" cy="491729"/>
-          </a:xfrm>
-        </p:spPr>
+        <p:spPr/>
         <p:txBody>
-          <a:bodyPr>
-            <a:noAutofit/>
-          </a:bodyPr>
+          <a:bodyPr/>
           <a:lstStyle/>
           <a:p>
             <a:r>
               <a:rPr lang="ru-RU" dirty="0"/>
-              <a:t>Массивы в </a:t>
+              <a:t>Объекты в </a:t>
             </a:r>
             <a:r>
               <a:rPr lang="en-US" dirty="0"/>
@@ -3133,14 +3225,14 @@
       </p:sp>
       <p:sp>
         <p:nvSpPr>
-          <p:cNvPr id="7" name="TextBox 6"/>
+          <p:cNvPr id="11" name="TextBox 10"/>
           <p:cNvSpPr txBox="1"/>
           <p:nvPr/>
         </p:nvSpPr>
         <p:spPr>
           <a:xfrm>
-            <a:off x="457200" y="1291590"/>
-            <a:ext cx="2651760" cy="1815882"/>
+            <a:off x="457200" y="1108710"/>
+            <a:ext cx="8229600" cy="2308324"/>
           </a:xfrm>
           <a:prstGeom prst="rect">
             <a:avLst/>
@@ -3157,47 +3249,101 @@
               <a:rPr lang="ru-RU" sz="1400" b="1" dirty="0">
                 <a:latin typeface="Calibri" panose="020F0502020204030204" pitchFamily="34" charset="0"/>
               </a:rPr>
-              <a:t>Массив</a:t>
+              <a:t>Объекты </a:t>
             </a:r>
             <a:r>
               <a:rPr lang="ru-RU" sz="1400" dirty="0">
                 <a:latin typeface="Calibri" panose="020F0502020204030204" pitchFamily="34" charset="0"/>
               </a:rPr>
-              <a:t> – разновидность объекта, которая предназначена для хранения пронумерованных значений и предлагает дополнительные методы для удобного манипулирования такой коллекцией.</a:t>
-            </a:r>
+              <a:t>– это составной тип данных, который объединяет множество значений в единый модуль и позволяет сохранять и извлекать значения по их именам.  </a:t>
+            </a:r>
+          </a:p>
+          <a:p>
+            <a:endParaRPr lang="ru-RU" sz="1400" b="1" dirty="0">
+              <a:latin typeface="Calibri" panose="020F0502020204030204" pitchFamily="34" charset="0"/>
+            </a:endParaRPr>
+          </a:p>
+          <a:p>
+            <a:r>
+              <a:rPr lang="ru-RU" sz="1400" dirty="0">
+                <a:latin typeface="Calibri" panose="020F0502020204030204" pitchFamily="34" charset="0"/>
+              </a:rPr>
+              <a:t>Объекты в </a:t>
+            </a:r>
+            <a:r>
+              <a:rPr lang="ru-RU" sz="1400" dirty="0" err="1">
+                <a:latin typeface="Calibri" panose="020F0502020204030204" pitchFamily="34" charset="0"/>
+              </a:rPr>
+              <a:t>JavaScript</a:t>
+            </a:r>
+            <a:r>
+              <a:rPr lang="ru-RU" sz="1400" dirty="0">
+                <a:latin typeface="Calibri" panose="020F0502020204030204" pitchFamily="34" charset="0"/>
+              </a:rPr>
+              <a:t> сочетают в себе два важных функционала. </a:t>
+            </a:r>
+          </a:p>
+          <a:p>
+            <a:endParaRPr lang="ru-RU" sz="1400" dirty="0">
+              <a:latin typeface="Calibri" panose="020F0502020204030204" pitchFamily="34" charset="0"/>
+            </a:endParaRPr>
+          </a:p>
+          <a:p>
+            <a:r>
+              <a:rPr lang="ru-RU" sz="1400" dirty="0">
+                <a:latin typeface="Calibri" panose="020F0502020204030204" pitchFamily="34" charset="0"/>
+              </a:rPr>
+              <a:t>Первый – это </a:t>
+            </a:r>
+            <a:r>
+              <a:rPr lang="ru-RU" sz="1400" b="1" dirty="0">
+                <a:latin typeface="Calibri" panose="020F0502020204030204" pitchFamily="34" charset="0"/>
+              </a:rPr>
+              <a:t>ассоциативный массив</a:t>
+            </a:r>
+            <a:r>
+              <a:rPr lang="ru-RU" sz="1400" dirty="0">
+                <a:latin typeface="Calibri" panose="020F0502020204030204" pitchFamily="34" charset="0"/>
+              </a:rPr>
+              <a:t>: структура, пригодная для хранения любых данных. В этой главе мы рассмотрим использование объектов именно как массивов.</a:t>
+            </a:r>
+          </a:p>
+          <a:p>
+            <a:endParaRPr lang="ru-RU" sz="1400" dirty="0">
+              <a:latin typeface="Calibri" panose="020F0502020204030204" pitchFamily="34" charset="0"/>
+            </a:endParaRPr>
+          </a:p>
+          <a:p>
+            <a:r>
+              <a:rPr lang="ru-RU" sz="1400" dirty="0">
+                <a:latin typeface="Calibri" panose="020F0502020204030204" pitchFamily="34" charset="0"/>
+              </a:rPr>
+              <a:t>Второй – </a:t>
+            </a:r>
+            <a:r>
+              <a:rPr lang="ru-RU" sz="1400" b="1" dirty="0">
+                <a:latin typeface="Calibri" panose="020F0502020204030204" pitchFamily="34" charset="0"/>
+              </a:rPr>
+              <a:t>языковые возможности для объектно-ориентированного программирования</a:t>
+            </a:r>
+            <a:r>
+              <a:rPr lang="ru-RU" sz="1400" dirty="0">
+                <a:latin typeface="Calibri" panose="020F0502020204030204" pitchFamily="34" charset="0"/>
+              </a:rPr>
+              <a:t>. </a:t>
+            </a:r>
+          </a:p>
+          <a:p>
+            <a:endParaRPr lang="uk-UA" b="1" dirty="0">
+              <a:latin typeface="Calibri" panose="020F0502020204030204" pitchFamily="34" charset="0"/>
+            </a:endParaRPr>
           </a:p>
         </p:txBody>
       </p:sp>
-      <p:pic>
-        <p:nvPicPr>
-          <p:cNvPr id="4098" name="Picture 2" descr="http://2.bp.blogspot.com/-Ek2hzh7Uef8/VcseOEkfxaI/AAAAAAAAAIo/wkiGtnpZcGo/s1600/ArrayJS.JPG"/>
-          <p:cNvPicPr>
-            <a:picLocks noChangeAspect="1" noChangeArrowheads="1"/>
-          </p:cNvPicPr>
-          <p:nvPr/>
-        </p:nvPicPr>
-        <p:blipFill>
-          <a:blip r:embed="rId2" cstate="print"/>
-          <a:srcRect/>
-          <a:stretch>
-            <a:fillRect/>
-          </a:stretch>
-        </p:blipFill>
-        <p:spPr bwMode="auto">
-          <a:xfrm>
-            <a:off x="3246960" y="1474470"/>
-            <a:ext cx="5439840" cy="2441180"/>
-          </a:xfrm>
-          <a:prstGeom prst="rect">
-            <a:avLst/>
-          </a:prstGeom>
-          <a:noFill/>
-        </p:spPr>
-      </p:pic>
     </p:spTree>
     <p:extLst>
       <p:ext uri="{BB962C8B-B14F-4D97-AF65-F5344CB8AC3E}">
-        <p14:creationId xmlns:p14="http://schemas.microsoft.com/office/powerpoint/2010/main" val="2408212743"/>
+        <p14:creationId xmlns:p14="http://schemas.microsoft.com/office/powerpoint/2010/main" val="2972715479"/>
       </p:ext>
     </p:extLst>
   </p:cSld>
@@ -3226,97 +3372,13 @@
       </p:grpSpPr>
       <p:sp>
         <p:nvSpPr>
-          <p:cNvPr id="5" name="Title 4"/>
-          <p:cNvSpPr>
-            <a:spLocks noGrp="1"/>
-          </p:cNvSpPr>
-          <p:nvPr>
-            <p:ph type="title"/>
-          </p:nvPr>
-        </p:nvSpPr>
-        <p:spPr>
-          <a:xfrm>
-            <a:off x="457200" y="209550"/>
-            <a:ext cx="8229600" cy="491729"/>
-          </a:xfrm>
-        </p:spPr>
-        <p:txBody>
-          <a:bodyPr>
-            <a:noAutofit/>
-          </a:bodyPr>
-          <a:lstStyle/>
-          <a:p>
-            <a:r>
-              <a:rPr lang="ru-RU" dirty="0"/>
-              <a:t>Виды массивов </a:t>
-            </a:r>
-            <a:r>
-              <a:rPr lang="en-US" dirty="0"/>
-              <a:t>JavaScript</a:t>
-            </a:r>
-          </a:p>
-        </p:txBody>
-      </p:sp>
-      <p:sp>
-        <p:nvSpPr>
-          <p:cNvPr id="6" name="Title 4"/>
-          <p:cNvSpPr txBox="1">
-            <a:spLocks/>
-          </p:cNvSpPr>
-          <p:nvPr/>
-        </p:nvSpPr>
-        <p:spPr>
-          <a:xfrm>
-            <a:off x="0" y="819150"/>
-            <a:ext cx="9144000" cy="491729"/>
-          </a:xfrm>
-          <a:prstGeom prst="rect">
-            <a:avLst/>
-          </a:prstGeom>
-        </p:spPr>
-        <p:txBody>
-          <a:bodyPr vert="horz" lIns="91440" tIns="45720" rIns="91440" bIns="45720" rtlCol="0" anchor="ctr">
-            <a:noAutofit/>
-          </a:bodyPr>
-          <a:lstStyle>
-            <a:lvl1pPr algn="ctr" defTabSz="914400" rtl="0" eaLnBrk="1" latinLnBrk="0" hangingPunct="1">
-              <a:spcBef>
-                <a:spcPct val="0"/>
-              </a:spcBef>
-              <a:buNone/>
-              <a:defRPr sz="2800" kern="1200">
-                <a:solidFill>
-                  <a:schemeClr val="bg1"/>
-                </a:solidFill>
-                <a:latin typeface="+mj-lt"/>
-                <a:ea typeface="+mj-ea"/>
-                <a:cs typeface="+mj-cs"/>
-              </a:defRPr>
-            </a:lvl1pPr>
-          </a:lstStyle>
-          <a:p>
-            <a:endParaRPr lang="en-US" sz="2400" dirty="0">
-              <a:solidFill>
-                <a:schemeClr val="bg1">
-                  <a:lumMod val="50000"/>
-                </a:schemeClr>
-              </a:solidFill>
-              <a:latin typeface="Roboto Thin" panose="02000000000000000000" pitchFamily="2" charset="0"/>
-              <a:ea typeface="Roboto Thin" panose="02000000000000000000" pitchFamily="2" charset="0"/>
-              <a:cs typeface="Roboto Thin" panose="02000000000000000000" pitchFamily="2" charset="0"/>
-            </a:endParaRPr>
-          </a:p>
-        </p:txBody>
-      </p:sp>
-      <p:sp>
-        <p:nvSpPr>
-          <p:cNvPr id="8" name="Стрелка вниз 7"/>
+          <p:cNvPr id="19" name="Стрелка вниз 18"/>
           <p:cNvSpPr/>
           <p:nvPr/>
         </p:nvSpPr>
         <p:spPr>
           <a:xfrm>
-            <a:off x="1280160" y="701279"/>
+            <a:off x="1463040" y="701279"/>
             <a:ext cx="1280160" cy="590311"/>
           </a:xfrm>
           <a:prstGeom prst="downArrow">
@@ -3356,21 +3418,81 @@
       </p:sp>
       <p:sp>
         <p:nvSpPr>
-          <p:cNvPr id="9" name="Стрелка вниз 8"/>
+          <p:cNvPr id="8" name="Заголовок 7"/>
+          <p:cNvSpPr>
+            <a:spLocks noGrp="1"/>
+          </p:cNvSpPr>
+          <p:nvPr>
+            <p:ph type="title"/>
+          </p:nvPr>
+        </p:nvSpPr>
+        <p:spPr>
+          <a:xfrm>
+            <a:off x="365760" y="209550"/>
+            <a:ext cx="8229600" cy="491729"/>
+          </a:xfrm>
+        </p:spPr>
+        <p:txBody>
+          <a:bodyPr/>
+          <a:lstStyle/>
+          <a:p>
+            <a:r>
+              <a:rPr lang="ru-RU" dirty="0"/>
+              <a:t>Способы создания объектов в </a:t>
+            </a:r>
+            <a:r>
+              <a:rPr lang="en-US" dirty="0"/>
+              <a:t>JavaScript</a:t>
+            </a:r>
+            <a:endParaRPr lang="uk-UA" dirty="0"/>
+          </a:p>
+        </p:txBody>
+      </p:sp>
+      <p:sp>
+        <p:nvSpPr>
+          <p:cNvPr id="15" name="TextBox 14"/>
+          <p:cNvSpPr txBox="1"/>
+          <p:nvPr/>
+        </p:nvSpPr>
+        <p:spPr>
+          <a:xfrm>
+            <a:off x="548640" y="1291590"/>
+            <a:ext cx="3291840" cy="307777"/>
+          </a:xfrm>
+          <a:prstGeom prst="rect">
+            <a:avLst/>
+          </a:prstGeom>
+          <a:noFill/>
+        </p:spPr>
+        <p:txBody>
+          <a:bodyPr wrap="square" rtlCol="0">
+            <a:spAutoFit/>
+          </a:bodyPr>
+          <a:lstStyle/>
+          <a:p>
+            <a:pPr algn="ctr"/>
+            <a:r>
+              <a:rPr lang="ru-RU" sz="1400" b="1" dirty="0"/>
+              <a:t>Через блок инициализации </a:t>
+            </a:r>
+            <a:endParaRPr lang="uk-UA" sz="1400" b="1" dirty="0"/>
+          </a:p>
+        </p:txBody>
+      </p:sp>
+      <p:sp>
+        <p:nvSpPr>
+          <p:cNvPr id="20" name="Стрелка вниз 19"/>
           <p:cNvSpPr/>
           <p:nvPr/>
         </p:nvSpPr>
         <p:spPr>
           <a:xfrm>
-            <a:off x="6492240" y="720568"/>
+            <a:off x="6126480" y="701279"/>
             <a:ext cx="1280160" cy="590311"/>
           </a:xfrm>
           <a:prstGeom prst="downArrow">
             <a:avLst/>
           </a:prstGeom>
-          <a:solidFill>
-            <a:schemeClr val="accent1"/>
-          </a:solidFill>
           <a:ln w="0">
             <a:noFill/>
           </a:ln>
@@ -3402,14 +3524,14 @@
       </p:sp>
       <p:sp>
         <p:nvSpPr>
-          <p:cNvPr id="10" name="TextBox 9"/>
+          <p:cNvPr id="21" name="TextBox 20"/>
           <p:cNvSpPr txBox="1"/>
           <p:nvPr/>
         </p:nvSpPr>
         <p:spPr>
           <a:xfrm>
-            <a:off x="731520" y="1657350"/>
-            <a:ext cx="3657600" cy="2246769"/>
+            <a:off x="5669280" y="1291590"/>
+            <a:ext cx="2377440" cy="307777"/>
           </a:xfrm>
           <a:prstGeom prst="rect">
             <a:avLst/>
@@ -3422,178 +3544,25 @@
           </a:bodyPr>
           <a:lstStyle/>
           <a:p>
-            <a:r>
-              <a:rPr lang="en-US" sz="1400" dirty="0">
-                <a:latin typeface="Calibri" panose="020F0502020204030204" pitchFamily="34" charset="0"/>
-              </a:rPr>
-              <a:t>      </a:t>
-            </a:r>
-            <a:r>
-              <a:rPr lang="ru-RU" sz="1400" dirty="0">
-                <a:latin typeface="Calibri" panose="020F0502020204030204" pitchFamily="34" charset="0"/>
-              </a:rPr>
-              <a:t>Одномерные</a:t>
-            </a:r>
-            <a:r>
-              <a:rPr lang="en-US" sz="1400" dirty="0">
-                <a:latin typeface="Calibri" panose="020F0502020204030204" pitchFamily="34" charset="0"/>
-              </a:rPr>
-              <a:t>:  </a:t>
-            </a:r>
-          </a:p>
-          <a:p>
-            <a:endParaRPr lang="en-US" sz="1400" dirty="0">
-              <a:latin typeface="Calibri" panose="020F0502020204030204" pitchFamily="34" charset="0"/>
-            </a:endParaRPr>
-          </a:p>
-          <a:p>
-            <a:r>
-              <a:rPr lang="en-US" sz="1400" dirty="0" err="1">
-                <a:solidFill>
-                  <a:srgbClr val="0000FF"/>
-                </a:solidFill>
-                <a:latin typeface="Calibri" panose="020F0502020204030204" pitchFamily="34" charset="0"/>
-              </a:rPr>
-              <a:t>var</a:t>
-            </a:r>
-            <a:r>
-              <a:rPr lang="en-US" sz="1400" dirty="0">
-                <a:solidFill>
-                  <a:srgbClr val="0000FF"/>
-                </a:solidFill>
-                <a:latin typeface="Calibri" panose="020F0502020204030204" pitchFamily="34" charset="0"/>
-              </a:rPr>
-              <a:t> </a:t>
-            </a:r>
-            <a:r>
-              <a:rPr lang="en-US" sz="1400" dirty="0">
-                <a:latin typeface="Calibri" panose="020F0502020204030204" pitchFamily="34" charset="0"/>
-              </a:rPr>
-              <a:t>array = </a:t>
-            </a:r>
-            <a:r>
-              <a:rPr lang="en-US" sz="1400" dirty="0">
-                <a:solidFill>
-                  <a:srgbClr val="0000FF"/>
-                </a:solidFill>
-                <a:latin typeface="Calibri" panose="020F0502020204030204" pitchFamily="34" charset="0"/>
-              </a:rPr>
-              <a:t>new</a:t>
-            </a:r>
-            <a:r>
-              <a:rPr lang="en-US" sz="1400" dirty="0">
-                <a:latin typeface="Calibri" panose="020F0502020204030204" pitchFamily="34" charset="0"/>
-              </a:rPr>
-              <a:t> Array(5); </a:t>
-            </a:r>
-          </a:p>
-          <a:p>
-            <a:endParaRPr lang="en-US" sz="1400" dirty="0">
-              <a:latin typeface="Calibri" panose="020F0502020204030204" pitchFamily="34" charset="0"/>
-            </a:endParaRPr>
-          </a:p>
-          <a:p>
-            <a:r>
-              <a:rPr lang="en-US" sz="1400" dirty="0" err="1">
-                <a:solidFill>
-                  <a:srgbClr val="0000FF"/>
-                </a:solidFill>
-                <a:latin typeface="Calibri" panose="020F0502020204030204" pitchFamily="34" charset="0"/>
-              </a:rPr>
-              <a:t>var</a:t>
-            </a:r>
-            <a:r>
-              <a:rPr lang="en-US" sz="1400" dirty="0">
-                <a:solidFill>
-                  <a:srgbClr val="0000FF"/>
-                </a:solidFill>
-                <a:latin typeface="Calibri" panose="020F0502020204030204" pitchFamily="34" charset="0"/>
-              </a:rPr>
-              <a:t> </a:t>
-            </a:r>
-            <a:r>
-              <a:rPr lang="en-US" sz="1400" dirty="0">
-                <a:latin typeface="Calibri" panose="020F0502020204030204" pitchFamily="34" charset="0"/>
-              </a:rPr>
-              <a:t>array = </a:t>
-            </a:r>
-            <a:r>
-              <a:rPr lang="en-US" sz="1400" dirty="0">
-                <a:solidFill>
-                  <a:srgbClr val="0000FF"/>
-                </a:solidFill>
-                <a:latin typeface="Calibri" panose="020F0502020204030204" pitchFamily="34" charset="0"/>
-              </a:rPr>
-              <a:t>new</a:t>
-            </a:r>
-            <a:r>
-              <a:rPr lang="en-US" sz="1400" dirty="0">
-                <a:latin typeface="Calibri" panose="020F0502020204030204" pitchFamily="34" charset="0"/>
-              </a:rPr>
-              <a:t> Array(1, 2, 3, 4, 5);  </a:t>
-            </a:r>
-          </a:p>
-          <a:p>
-            <a:r>
-              <a:rPr lang="en-US" sz="1400" dirty="0">
-                <a:latin typeface="Calibri" panose="020F0502020204030204" pitchFamily="34" charset="0"/>
-              </a:rPr>
-              <a:t> </a:t>
-            </a:r>
-          </a:p>
-          <a:p>
-            <a:r>
-              <a:rPr lang="en-US" sz="1400" dirty="0" err="1">
-                <a:solidFill>
-                  <a:srgbClr val="0000FF"/>
-                </a:solidFill>
-                <a:latin typeface="Calibri" panose="020F0502020204030204" pitchFamily="34" charset="0"/>
-              </a:rPr>
-              <a:t>var</a:t>
-            </a:r>
-            <a:r>
-              <a:rPr lang="en-US" sz="1400" dirty="0">
-                <a:solidFill>
-                  <a:srgbClr val="0000FF"/>
-                </a:solidFill>
-                <a:latin typeface="Calibri" panose="020F0502020204030204" pitchFamily="34" charset="0"/>
-              </a:rPr>
-              <a:t> </a:t>
-            </a:r>
-            <a:r>
-              <a:rPr lang="en-US" sz="1400" dirty="0">
-                <a:latin typeface="Calibri" panose="020F0502020204030204" pitchFamily="34" charset="0"/>
-              </a:rPr>
-              <a:t>array = [1, 2, 3, 4, 5]</a:t>
-            </a:r>
-          </a:p>
-          <a:p>
-            <a:endParaRPr lang="en-US" sz="1400" dirty="0">
-              <a:latin typeface="Calibri" panose="020F0502020204030204" pitchFamily="34" charset="0"/>
-            </a:endParaRPr>
-          </a:p>
-          <a:p>
-            <a:endParaRPr lang="en-US" sz="1400" dirty="0">
-              <a:latin typeface="Calibri" panose="020F0502020204030204" pitchFamily="34" charset="0"/>
-            </a:endParaRPr>
-          </a:p>
-          <a:p>
-            <a:endParaRPr lang="uk-UA" sz="1400" dirty="0">
-              <a:latin typeface="Calibri" panose="020F0502020204030204" pitchFamily="34" charset="0"/>
-            </a:endParaRPr>
+            <a:pPr algn="ctr"/>
+            <a:r>
+              <a:rPr lang="ru-RU" sz="1400" b="1" dirty="0"/>
+              <a:t>Через конструктор </a:t>
+            </a:r>
+            <a:endParaRPr lang="uk-UA" sz="1400" b="1" dirty="0"/>
           </a:p>
         </p:txBody>
       </p:sp>
       <p:sp>
         <p:nvSpPr>
-          <p:cNvPr id="11" name="TextBox 10"/>
+          <p:cNvPr id="22" name="TextBox 21"/>
           <p:cNvSpPr txBox="1"/>
           <p:nvPr/>
         </p:nvSpPr>
         <p:spPr>
           <a:xfrm>
-            <a:off x="5486400" y="1657350"/>
-            <a:ext cx="3200400" cy="2462213"/>
+            <a:off x="1097280" y="2023110"/>
+            <a:ext cx="2926080" cy="1169551"/>
           </a:xfrm>
           <a:prstGeom prst="rect">
             <a:avLst/>
@@ -3607,192 +3576,238 @@
           <a:lstStyle/>
           <a:p>
             <a:r>
-              <a:rPr lang="en-US" sz="1400" dirty="0">
-                <a:latin typeface="Calibri" panose="020F0502020204030204" pitchFamily="34" charset="0"/>
-              </a:rPr>
-              <a:t>           </a:t>
-            </a:r>
+              <a:rPr lang="en-US" sz="1400" dirty="0" err="1">
+                <a:solidFill>
+                  <a:srgbClr val="0000FF"/>
+                </a:solidFill>
+                <a:latin typeface="Calibri" panose="020F0502020204030204" pitchFamily="34" charset="0"/>
+              </a:rPr>
+              <a:t>var</a:t>
+            </a:r>
+            <a:r>
+              <a:rPr lang="en-US" sz="1400" dirty="0">
+                <a:latin typeface="Calibri" panose="020F0502020204030204" pitchFamily="34" charset="0"/>
+              </a:rPr>
+              <a:t> cat = { </a:t>
+            </a:r>
+          </a:p>
+          <a:p>
             <a:r>
               <a:rPr lang="ru-RU" sz="1400" dirty="0">
                 <a:latin typeface="Calibri" panose="020F0502020204030204" pitchFamily="34" charset="0"/>
               </a:rPr>
-              <a:t>Многомерные</a:t>
-            </a:r>
-            <a:r>
-              <a:rPr lang="en-US" sz="1400" dirty="0">
-                <a:latin typeface="Calibri" panose="020F0502020204030204" pitchFamily="34" charset="0"/>
-              </a:rPr>
-              <a:t>: </a:t>
-            </a:r>
-          </a:p>
-          <a:p>
-            <a:r>
-              <a:rPr lang="en-US" sz="1400" dirty="0">
+              <a:t>     </a:t>
+            </a:r>
+            <a:r>
+              <a:rPr lang="en-US" sz="1400" dirty="0">
+                <a:latin typeface="Calibri" panose="020F0502020204030204" pitchFamily="34" charset="0"/>
+              </a:rPr>
+              <a:t>breed: 'Burmese', </a:t>
+            </a:r>
+            <a:r>
+              <a:rPr lang="ru-RU" sz="1400" dirty="0">
                 <a:latin typeface="Calibri" panose="020F0502020204030204" pitchFamily="34" charset="0"/>
               </a:rPr>
               <a:t> </a:t>
             </a:r>
-          </a:p>
-          <a:p>
-            <a:r>
-              <a:rPr lang="en-US" sz="1400" dirty="0" err="1">
-                <a:solidFill>
-                  <a:srgbClr val="0000FF"/>
-                </a:solidFill>
-                <a:latin typeface="Calibri" panose="020F0502020204030204" pitchFamily="34" charset="0"/>
-              </a:rPr>
-              <a:t>var</a:t>
-            </a:r>
-            <a:r>
-              <a:rPr lang="en-US" sz="1400" dirty="0">
-                <a:solidFill>
-                  <a:srgbClr val="0000FF"/>
-                </a:solidFill>
-                <a:latin typeface="Calibri" panose="020F0502020204030204" pitchFamily="34" charset="0"/>
-              </a:rPr>
-              <a:t> </a:t>
-            </a:r>
-            <a:r>
-              <a:rPr lang="en-US" sz="1400" dirty="0">
-                <a:latin typeface="Calibri" panose="020F0502020204030204" pitchFamily="34" charset="0"/>
-              </a:rPr>
-              <a:t>array = Array(5); </a:t>
-            </a:r>
-          </a:p>
-          <a:p>
             <a:endParaRPr lang="en-US" sz="1400" dirty="0">
               <a:latin typeface="Calibri" panose="020F0502020204030204" pitchFamily="34" charset="0"/>
             </a:endParaRPr>
           </a:p>
           <a:p>
             <a:r>
-              <a:rPr lang="en-US" sz="1400" dirty="0">
-                <a:latin typeface="Calibri" panose="020F0502020204030204" pitchFamily="34" charset="0"/>
-              </a:rPr>
-              <a:t>array[0] = </a:t>
-            </a:r>
-            <a:r>
-              <a:rPr lang="en-US" sz="1400" dirty="0">
+              <a:rPr lang="ru-RU" sz="1400" dirty="0">
+                <a:latin typeface="Calibri" panose="020F0502020204030204" pitchFamily="34" charset="0"/>
+              </a:rPr>
+              <a:t>     </a:t>
+            </a:r>
+            <a:r>
+              <a:rPr lang="en-US" sz="1400" dirty="0">
+                <a:latin typeface="Calibri" panose="020F0502020204030204" pitchFamily="34" charset="0"/>
+              </a:rPr>
+              <a:t>weight: '5 kg'</a:t>
+            </a:r>
+          </a:p>
+          <a:p>
+            <a:r>
+              <a:rPr lang="ru-RU" sz="1400" dirty="0">
+                <a:latin typeface="Calibri" panose="020F0502020204030204" pitchFamily="34" charset="0"/>
+              </a:rPr>
+              <a:t>  </a:t>
+            </a:r>
+            <a:r>
+              <a:rPr lang="en-US" sz="1400" dirty="0">
+                <a:latin typeface="Calibri" panose="020F0502020204030204" pitchFamily="34" charset="0"/>
+              </a:rPr>
+              <a:t> </a:t>
+            </a:r>
+            <a:r>
+              <a:rPr lang="ru-RU" sz="1400" dirty="0">
+                <a:latin typeface="Calibri" panose="020F0502020204030204" pitchFamily="34" charset="0"/>
+              </a:rPr>
+              <a:t>  </a:t>
+            </a:r>
+            <a:r>
+              <a:rPr lang="en-US" sz="1400" dirty="0">
+                <a:latin typeface="Calibri" panose="020F0502020204030204" pitchFamily="34" charset="0"/>
+              </a:rPr>
+              <a:t>eat: function() {   …   }</a:t>
+            </a:r>
+          </a:p>
+          <a:p>
+            <a:r>
+              <a:rPr lang="en-US" sz="1400" dirty="0">
+                <a:latin typeface="Calibri" panose="020F0502020204030204" pitchFamily="34" charset="0"/>
+              </a:rPr>
+              <a:t> }  </a:t>
+            </a:r>
+            <a:r>
+              <a:rPr lang="ru-RU" sz="1400" dirty="0">
+                <a:latin typeface="Calibri" panose="020F0502020204030204" pitchFamily="34" charset="0"/>
+              </a:rPr>
+              <a:t> </a:t>
+            </a:r>
+            <a:endParaRPr lang="uk-UA" sz="1400" dirty="0">
+              <a:latin typeface="Calibri" panose="020F0502020204030204" pitchFamily="34" charset="0"/>
+            </a:endParaRPr>
+          </a:p>
+        </p:txBody>
+      </p:sp>
+      <p:sp>
+        <p:nvSpPr>
+          <p:cNvPr id="23" name="TextBox 22"/>
+          <p:cNvSpPr txBox="1"/>
+          <p:nvPr/>
+        </p:nvSpPr>
+        <p:spPr>
+          <a:xfrm>
+            <a:off x="6035040" y="2016859"/>
+            <a:ext cx="2377440" cy="1169551"/>
+          </a:xfrm>
+          <a:prstGeom prst="rect">
+            <a:avLst/>
+          </a:prstGeom>
+          <a:noFill/>
+        </p:spPr>
+        <p:txBody>
+          <a:bodyPr wrap="square" rtlCol="0">
+            <a:spAutoFit/>
+          </a:bodyPr>
+          <a:lstStyle/>
+          <a:p>
+            <a:r>
+              <a:rPr lang="en-US" sz="1400" dirty="0" err="1">
                 <a:solidFill>
                   <a:srgbClr val="0000FF"/>
                 </a:solidFill>
                 <a:latin typeface="Calibri" panose="020F0502020204030204" pitchFamily="34" charset="0"/>
               </a:rPr>
+              <a:t>var</a:t>
+            </a:r>
+            <a:r>
+              <a:rPr lang="en-US" sz="1400" dirty="0">
+                <a:latin typeface="Calibri" panose="020F0502020204030204" pitchFamily="34" charset="0"/>
+              </a:rPr>
+              <a:t> cat = </a:t>
+            </a:r>
+            <a:r>
+              <a:rPr lang="en-US" sz="1400" dirty="0">
+                <a:solidFill>
+                  <a:srgbClr val="0000FF"/>
+                </a:solidFill>
+                <a:latin typeface="Calibri" panose="020F0502020204030204" pitchFamily="34" charset="0"/>
+              </a:rPr>
               <a:t>new</a:t>
             </a:r>
             <a:r>
               <a:rPr lang="en-US" sz="1400" dirty="0">
                 <a:latin typeface="Calibri" panose="020F0502020204030204" pitchFamily="34" charset="0"/>
               </a:rPr>
-              <a:t> Array(5); </a:t>
-            </a:r>
-          </a:p>
-          <a:p>
-            <a:r>
-              <a:rPr lang="en-US" sz="1400" dirty="0">
-                <a:latin typeface="Calibri" panose="020F0502020204030204" pitchFamily="34" charset="0"/>
-              </a:rPr>
-              <a:t>array[1] = </a:t>
-            </a:r>
-            <a:r>
-              <a:rPr lang="en-US" sz="1400" dirty="0">
-                <a:solidFill>
-                  <a:srgbClr val="0000FF"/>
-                </a:solidFill>
-                <a:latin typeface="Calibri" panose="020F0502020204030204" pitchFamily="34" charset="0"/>
-              </a:rPr>
-              <a:t>new</a:t>
-            </a:r>
-            <a:r>
-              <a:rPr lang="en-US" sz="1400" dirty="0">
-                <a:latin typeface="Calibri" panose="020F0502020204030204" pitchFamily="34" charset="0"/>
-              </a:rPr>
-              <a:t> Array(5); </a:t>
-            </a:r>
-          </a:p>
-          <a:p>
-            <a:r>
-              <a:rPr lang="en-US" sz="1400" dirty="0">
-                <a:latin typeface="Calibri" panose="020F0502020204030204" pitchFamily="34" charset="0"/>
-              </a:rPr>
-              <a:t>array[2] = </a:t>
-            </a:r>
-            <a:r>
-              <a:rPr lang="en-US" sz="1400" dirty="0">
-                <a:solidFill>
-                  <a:srgbClr val="0000FF"/>
-                </a:solidFill>
-                <a:latin typeface="Calibri" panose="020F0502020204030204" pitchFamily="34" charset="0"/>
-              </a:rPr>
-              <a:t>new</a:t>
-            </a:r>
-            <a:r>
-              <a:rPr lang="en-US" sz="1400" dirty="0">
-                <a:latin typeface="Calibri" panose="020F0502020204030204" pitchFamily="34" charset="0"/>
-              </a:rPr>
-              <a:t> Array(5); </a:t>
-            </a:r>
-          </a:p>
-          <a:p>
-            <a:r>
-              <a:rPr lang="en-US" sz="1400" dirty="0">
-                <a:latin typeface="Calibri" panose="020F0502020204030204" pitchFamily="34" charset="0"/>
-              </a:rPr>
-              <a:t>array[3] = </a:t>
-            </a:r>
-            <a:r>
-              <a:rPr lang="en-US" sz="1400" dirty="0">
-                <a:solidFill>
-                  <a:srgbClr val="0000FF"/>
-                </a:solidFill>
-                <a:latin typeface="Calibri" panose="020F0502020204030204" pitchFamily="34" charset="0"/>
-              </a:rPr>
-              <a:t>new</a:t>
-            </a:r>
-            <a:r>
-              <a:rPr lang="en-US" sz="1400" dirty="0">
-                <a:latin typeface="Calibri" panose="020F0502020204030204" pitchFamily="34" charset="0"/>
-              </a:rPr>
-              <a:t> Array(5); </a:t>
-            </a:r>
-          </a:p>
-          <a:p>
-            <a:r>
-              <a:rPr lang="en-US" sz="1400" dirty="0">
-                <a:latin typeface="Calibri" panose="020F0502020204030204" pitchFamily="34" charset="0"/>
-              </a:rPr>
-              <a:t>array[4] = </a:t>
-            </a:r>
-            <a:r>
-              <a:rPr lang="en-US" sz="1400" dirty="0">
-                <a:solidFill>
-                  <a:srgbClr val="0000FF"/>
-                </a:solidFill>
-                <a:latin typeface="Calibri" panose="020F0502020204030204" pitchFamily="34" charset="0"/>
-              </a:rPr>
-              <a:t>new</a:t>
-            </a:r>
-            <a:r>
-              <a:rPr lang="en-US" sz="1400" dirty="0">
-                <a:latin typeface="Calibri" panose="020F0502020204030204" pitchFamily="34" charset="0"/>
-              </a:rPr>
-              <a:t> Array(5); </a:t>
-            </a:r>
-          </a:p>
-          <a:p>
-            <a:r>
-              <a:rPr lang="en-US" sz="1400" dirty="0">
-                <a:latin typeface="Calibri" panose="020F0502020204030204" pitchFamily="34" charset="0"/>
-              </a:rPr>
-              <a:t> </a:t>
-            </a:r>
-          </a:p>
-          <a:p>
-            <a:r>
-              <a:rPr lang="en-US" sz="1400" dirty="0">
-                <a:latin typeface="Calibri" panose="020F0502020204030204" pitchFamily="34" charset="0"/>
-              </a:rPr>
-              <a:t> </a:t>
+              <a:t> Object(); </a:t>
+            </a:r>
+          </a:p>
+          <a:p>
+            <a:endParaRPr lang="en-US" sz="1400" dirty="0">
+              <a:latin typeface="Calibri" panose="020F0502020204030204" pitchFamily="34" charset="0"/>
+            </a:endParaRPr>
+          </a:p>
+          <a:p>
+            <a:r>
+              <a:rPr lang="en-US" sz="1400" dirty="0" err="1">
+                <a:latin typeface="Calibri" panose="020F0502020204030204" pitchFamily="34" charset="0"/>
+              </a:rPr>
+              <a:t>cat.breed</a:t>
+            </a:r>
+            <a:r>
+              <a:rPr lang="en-US" sz="1400" dirty="0">
+                <a:latin typeface="Calibri" panose="020F0502020204030204" pitchFamily="34" charset="0"/>
+              </a:rPr>
+              <a:t> = ‘</a:t>
+            </a:r>
+            <a:r>
+              <a:rPr lang="en-US" sz="1400" dirty="0" err="1">
+                <a:latin typeface="Calibri" panose="020F0502020204030204" pitchFamily="34" charset="0"/>
+              </a:rPr>
+              <a:t>burmese</a:t>
+            </a:r>
+            <a:r>
+              <a:rPr lang="en-US" sz="1400" dirty="0">
+                <a:latin typeface="Calibri" panose="020F0502020204030204" pitchFamily="34" charset="0"/>
+              </a:rPr>
+              <a:t>’; </a:t>
+            </a:r>
+          </a:p>
+          <a:p>
+            <a:r>
+              <a:rPr lang="en-US" sz="1400" dirty="0" err="1">
+                <a:latin typeface="Calibri" panose="020F0502020204030204" pitchFamily="34" charset="0"/>
+              </a:rPr>
+              <a:t>cat.weight</a:t>
+            </a:r>
+            <a:r>
+              <a:rPr lang="en-US" sz="1400" dirty="0">
+                <a:latin typeface="Calibri" panose="020F0502020204030204" pitchFamily="34" charset="0"/>
+              </a:rPr>
+              <a:t> = ‘5 kg’; </a:t>
+            </a:r>
+          </a:p>
+          <a:p>
+            <a:r>
+              <a:rPr lang="en-US" sz="1400" dirty="0">
+                <a:latin typeface="Calibri" panose="020F0502020204030204" pitchFamily="34" charset="0"/>
+              </a:rPr>
+              <a:t>cat.eat = function() {   …   }</a:t>
+            </a:r>
+          </a:p>
+        </p:txBody>
+      </p:sp>
+      <p:sp>
+        <p:nvSpPr>
+          <p:cNvPr id="24" name="TextBox 23"/>
+          <p:cNvSpPr txBox="1"/>
+          <p:nvPr/>
+        </p:nvSpPr>
+        <p:spPr>
+          <a:xfrm>
+            <a:off x="1097280" y="4219456"/>
+            <a:ext cx="7498080" cy="307777"/>
+          </a:xfrm>
+          <a:prstGeom prst="rect">
+            <a:avLst/>
+          </a:prstGeom>
+          <a:noFill/>
+        </p:spPr>
+        <p:txBody>
+          <a:bodyPr wrap="square" rtlCol="0">
+            <a:spAutoFit/>
+          </a:bodyPr>
+          <a:lstStyle/>
+          <a:p>
+            <a:r>
+              <a:rPr lang="ru-RU" sz="1400" dirty="0">
+                <a:latin typeface="Calibri" panose="020F0502020204030204" pitchFamily="34" charset="0"/>
+              </a:rPr>
+              <a:t>Функции, которые находятся в объекте, называются методами</a:t>
             </a:r>
             <a:endParaRPr lang="uk-UA" sz="1400" dirty="0">
               <a:latin typeface="Calibri" panose="020F0502020204030204" pitchFamily="34" charset="0"/>
@@ -3803,7 +3818,7 @@
     </p:spTree>
     <p:extLst>
       <p:ext uri="{BB962C8B-B14F-4D97-AF65-F5344CB8AC3E}">
-        <p14:creationId xmlns:p14="http://schemas.microsoft.com/office/powerpoint/2010/main" val="9290874"/>
+        <p14:creationId xmlns:p14="http://schemas.microsoft.com/office/powerpoint/2010/main" val="1440386950"/>
       </p:ext>
     </p:extLst>
   </p:cSld>
